--- a/Cologne-Meetup.pptx
+++ b/Cologne-Meetup.pptx
@@ -39,21 +39,21 @@
   <p:notesSz cx="6858000" cy="9144000"/>
   <p:embeddedFontLst>
     <p:embeddedFont>
-      <p:font typeface="Montserrat" panose="020B0604020202020204" charset="0"/>
+      <p:font typeface="Consolas" panose="020B0609020204030204" pitchFamily="49" charset="0"/>
       <p:regular r:id="rId29"/>
       <p:bold r:id="rId30"/>
       <p:italic r:id="rId31"/>
       <p:boldItalic r:id="rId32"/>
     </p:embeddedFont>
     <p:embeddedFont>
-      <p:font typeface="Consolas" panose="020B0609020204030204" pitchFamily="49" charset="0"/>
+      <p:font typeface="Lato" panose="020B0604020202020204" charset="0"/>
       <p:regular r:id="rId33"/>
       <p:bold r:id="rId34"/>
       <p:italic r:id="rId35"/>
       <p:boldItalic r:id="rId36"/>
     </p:embeddedFont>
     <p:embeddedFont>
-      <p:font typeface="Lato" panose="020B0604020202020204" charset="0"/>
+      <p:font typeface="Montserrat" panose="020B0604020202020204" charset="0"/>
       <p:regular r:id="rId37"/>
       <p:bold r:id="rId38"/>
       <p:italic r:id="rId39"/>
@@ -10960,23 +10960,23 @@
               <a:buNone/>
             </a:pPr>
             <a:r>
-              <a:rPr lang="de-DE" dirty="0" smtClean="0"/>
+              <a:rPr lang="de-DE" dirty="0"/>
               <a:t>Move to </a:t>
             </a:r>
             <a:r>
-              <a:rPr lang="de-DE" dirty="0" err="1" smtClean="0"/>
+              <a:rPr lang="de-DE" dirty="0" err="1"/>
               <a:t>the</a:t>
             </a:r>
             <a:r>
-              <a:rPr lang="de-DE" dirty="0" smtClean="0"/>
+              <a:rPr lang="de-DE" dirty="0"/>
               <a:t> </a:t>
             </a:r>
             <a:r>
-              <a:rPr lang="de-DE" dirty="0" err="1" smtClean="0"/>
+              <a:rPr lang="de-DE" dirty="0" err="1"/>
               <a:t>Dart</a:t>
             </a:r>
             <a:r>
-              <a:rPr lang="de-DE" dirty="0" smtClean="0"/>
+              <a:rPr lang="de-DE" dirty="0"/>
               <a:t> Side</a:t>
             </a:r>
             <a:endParaRPr dirty="0"/>
@@ -10992,19 +10992,19 @@
               <a:buNone/>
             </a:pPr>
             <a:r>
-              <a:rPr lang="de-DE" sz="2000" dirty="0" smtClean="0"/>
+              <a:rPr lang="de-DE" sz="2000" dirty="0"/>
               <a:t>Why you should care </a:t>
             </a:r>
             <a:r>
-              <a:rPr lang="de-DE" sz="2000" dirty="0" err="1" smtClean="0"/>
+              <a:rPr lang="de-DE" sz="2000" dirty="0" err="1"/>
               <a:t>about</a:t>
             </a:r>
             <a:r>
-              <a:rPr lang="de-DE" sz="2000" dirty="0" smtClean="0"/>
+              <a:rPr lang="de-DE" sz="2000" dirty="0"/>
               <a:t> </a:t>
             </a:r>
             <a:r>
-              <a:rPr lang="de-DE" sz="2000" dirty="0" err="1" smtClean="0"/>
+              <a:rPr lang="de-DE" sz="2000" dirty="0" err="1"/>
               <a:t>Flutter</a:t>
             </a:r>
             <a:endParaRPr sz="2000" dirty="0"/>
@@ -11049,7 +11049,7 @@
               <a:buNone/>
             </a:pPr>
             <a:r>
-              <a:rPr lang="de-DE" dirty="0" err="1" smtClean="0">
+              <a:rPr lang="de-DE" dirty="0" err="1">
                 <a:latin typeface="Montserrat"/>
                 <a:ea typeface="Montserrat"/>
                 <a:cs typeface="Montserrat"/>
@@ -11078,7 +11078,7 @@
               <a:buNone/>
             </a:pPr>
             <a:r>
-              <a:rPr lang="de-DE" dirty="0" smtClean="0">
+              <a:rPr lang="de-DE" dirty="0">
                 <a:latin typeface="Montserrat"/>
                 <a:ea typeface="Montserrat"/>
                 <a:cs typeface="Montserrat"/>
@@ -11087,7 +11087,7 @@
               <a:t>Xamarin </a:t>
             </a:r>
             <a:r>
-              <a:rPr lang="de-DE" dirty="0" err="1" smtClean="0">
+              <a:rPr lang="de-DE" dirty="0" err="1">
                 <a:latin typeface="Montserrat"/>
                 <a:ea typeface="Montserrat"/>
                 <a:cs typeface="Montserrat"/>
@@ -11096,7 +11096,7 @@
               <a:t>Meetup</a:t>
             </a:r>
             <a:r>
-              <a:rPr lang="de-DE" dirty="0" smtClean="0">
+              <a:rPr lang="de-DE" dirty="0">
                 <a:latin typeface="Montserrat"/>
                 <a:ea typeface="Montserrat"/>
                 <a:cs typeface="Montserrat"/>
@@ -11125,7 +11125,7 @@
               <a:buNone/>
             </a:pPr>
             <a:r>
-              <a:rPr lang="en" dirty="0" smtClean="0">
+              <a:rPr lang="en" dirty="0">
                 <a:latin typeface="Montserrat"/>
                 <a:ea typeface="Montserrat"/>
                 <a:cs typeface="Montserrat"/>
@@ -11344,22 +11344,13 @@
               <a:buChar char="●"/>
             </a:pPr>
             <a:r>
-              <a:rPr lang="en" sz="1400" dirty="0" smtClean="0">
-                <a:latin typeface="Montserrat"/>
-                <a:ea typeface="Montserrat"/>
-                <a:cs typeface="Montserrat"/>
-                <a:sym typeface="Montserrat"/>
-              </a:rPr>
-              <a:t>Fast Package </a:t>
-            </a:r>
-            <a:r>
               <a:rPr lang="en" sz="1400" dirty="0">
                 <a:latin typeface="Montserrat"/>
                 <a:ea typeface="Montserrat"/>
                 <a:cs typeface="Montserrat"/>
                 <a:sym typeface="Montserrat"/>
               </a:rPr>
-              <a:t>manager</a:t>
+              <a:t>Fast Package manager</a:t>
             </a:r>
             <a:endParaRPr sz="1400" dirty="0">
               <a:latin typeface="Montserrat"/>
@@ -11815,31 +11806,7 @@
                 <a:cs typeface="Consolas"/>
                 <a:sym typeface="Consolas"/>
               </a:rPr>
-              <a:t>'Hello </a:t>
-            </a:r>
-            <a:r>
-              <a:rPr lang="en" sz="1400" dirty="0" smtClean="0">
-                <a:solidFill>
-                  <a:srgbClr val="98C379"/>
-                </a:solidFill>
-                <a:latin typeface="Consolas"/>
-                <a:ea typeface="Consolas"/>
-                <a:cs typeface="Consolas"/>
-                <a:sym typeface="Consolas"/>
-              </a:rPr>
-              <a:t>Xamarin Cologne </a:t>
-            </a:r>
-            <a:r>
-              <a:rPr lang="en" sz="1400" dirty="0">
-                <a:solidFill>
-                  <a:srgbClr val="98C379"/>
-                </a:solidFill>
-                <a:latin typeface="Consolas"/>
-                <a:ea typeface="Consolas"/>
-                <a:cs typeface="Consolas"/>
-                <a:sym typeface="Consolas"/>
-              </a:rPr>
-              <a:t>Meetup!!'</a:t>
+              <a:t>'Hello Xamarin Cologne Meetup!!'</a:t>
             </a:r>
             <a:r>
               <a:rPr lang="en" sz="1400" dirty="0">
@@ -12992,15 +12959,15 @@
           <a:lstStyle/>
           <a:p>
             <a:r>
-              <a:rPr lang="de-DE" dirty="0" err="1" smtClean="0"/>
+              <a:rPr lang="de-DE" dirty="0" err="1"/>
               <a:t>Dart</a:t>
             </a:r>
             <a:r>
-              <a:rPr lang="de-DE" dirty="0" smtClean="0"/>
+              <a:rPr lang="de-DE" dirty="0"/>
               <a:t> </a:t>
             </a:r>
             <a:r>
-              <a:rPr lang="de-DE" dirty="0" err="1" smtClean="0"/>
+              <a:rPr lang="de-DE" dirty="0" err="1"/>
               <a:t>features</a:t>
             </a:r>
             <a:endParaRPr lang="de-DE" dirty="0"/>
@@ -13023,268 +12990,264 @@
           <a:lstStyle/>
           <a:p>
             <a:r>
-              <a:rPr lang="de-DE" dirty="0" smtClean="0"/>
+              <a:rPr lang="de-DE" dirty="0"/>
               <a:t>Easy to pick </a:t>
             </a:r>
             <a:r>
-              <a:rPr lang="de-DE" dirty="0" err="1" smtClean="0"/>
+              <a:rPr lang="de-DE" dirty="0" err="1"/>
               <a:t>up</a:t>
             </a:r>
             <a:r>
-              <a:rPr lang="de-DE" dirty="0" smtClean="0"/>
+              <a:rPr lang="de-DE" dirty="0"/>
               <a:t>. C# </a:t>
             </a:r>
             <a:r>
-              <a:rPr lang="de-DE" dirty="0" err="1" smtClean="0"/>
+              <a:rPr lang="de-DE" dirty="0" err="1"/>
               <a:t>developers</a:t>
-            </a:r>
-            <a:r>
-              <a:rPr lang="de-DE" dirty="0" smtClean="0"/>
-              <a:t> </a:t>
-            </a:r>
-            <a:r>
-              <a:rPr lang="de-DE" dirty="0" err="1" smtClean="0"/>
-              <a:t>can</a:t>
-            </a:r>
-            <a:r>
-              <a:rPr lang="de-DE" dirty="0" smtClean="0"/>
-              <a:t> </a:t>
-            </a:r>
-            <a:r>
-              <a:rPr lang="de-DE" dirty="0" err="1" smtClean="0"/>
-              <a:t>instantly</a:t>
-            </a:r>
-            <a:r>
-              <a:rPr lang="de-DE" dirty="0" smtClean="0"/>
-              <a:t> </a:t>
-            </a:r>
-            <a:r>
-              <a:rPr lang="de-DE" dirty="0" err="1" smtClean="0"/>
-              <a:t>start</a:t>
-            </a:r>
-            <a:endParaRPr lang="de-DE" dirty="0" smtClean="0"/>
-          </a:p>
-          <a:p>
-            <a:r>
-              <a:rPr lang="de-DE" dirty="0" smtClean="0"/>
-              <a:t>Single </a:t>
-            </a:r>
-            <a:r>
-              <a:rPr lang="de-DE" dirty="0" err="1" smtClean="0"/>
-              <a:t>threaded</a:t>
-            </a:r>
-            <a:r>
-              <a:rPr lang="de-DE" dirty="0" smtClean="0"/>
-              <a:t> </a:t>
-            </a:r>
-            <a:r>
-              <a:rPr lang="de-DE" dirty="0" err="1" smtClean="0"/>
-              <a:t>by</a:t>
-            </a:r>
-            <a:r>
-              <a:rPr lang="de-DE" dirty="0" smtClean="0"/>
-              <a:t> </a:t>
-            </a:r>
-            <a:r>
-              <a:rPr lang="de-DE" dirty="0" err="1" smtClean="0"/>
-              <a:t>default</a:t>
-            </a:r>
-            <a:r>
-              <a:rPr lang="de-DE" dirty="0" smtClean="0"/>
-              <a:t>. Isolates don‘t </a:t>
-            </a:r>
-            <a:r>
-              <a:rPr lang="de-DE" dirty="0" err="1" smtClean="0"/>
-              <a:t>share</a:t>
-            </a:r>
-            <a:r>
-              <a:rPr lang="de-DE" dirty="0" smtClean="0"/>
-              <a:t> </a:t>
-            </a:r>
-            <a:r>
-              <a:rPr lang="de-DE" dirty="0" err="1" smtClean="0"/>
-              <a:t>memory</a:t>
-            </a:r>
-            <a:endParaRPr lang="de-DE" dirty="0" smtClean="0"/>
-          </a:p>
-          <a:p>
-            <a:r>
-              <a:rPr lang="de-DE" dirty="0" smtClean="0"/>
-              <a:t>Streams </a:t>
-            </a:r>
-            <a:r>
-              <a:rPr lang="de-DE" dirty="0" err="1" smtClean="0"/>
-              <a:t>are</a:t>
-            </a:r>
-            <a:r>
-              <a:rPr lang="de-DE" dirty="0" smtClean="0"/>
-              <a:t> </a:t>
-            </a:r>
-            <a:r>
-              <a:rPr lang="de-DE" dirty="0" err="1" smtClean="0"/>
-              <a:t>part</a:t>
-            </a:r>
-            <a:r>
-              <a:rPr lang="de-DE" dirty="0" smtClean="0"/>
-              <a:t> of </a:t>
-            </a:r>
-            <a:r>
-              <a:rPr lang="de-DE" dirty="0" err="1" smtClean="0"/>
-              <a:t>the</a:t>
-            </a:r>
-            <a:r>
-              <a:rPr lang="de-DE" dirty="0" smtClean="0"/>
-              <a:t> </a:t>
-            </a:r>
-            <a:r>
-              <a:rPr lang="de-DE" dirty="0" err="1" smtClean="0"/>
-              <a:t>language</a:t>
-            </a:r>
-            <a:endParaRPr lang="de-DE" dirty="0" smtClean="0"/>
-          </a:p>
-          <a:p>
-            <a:r>
-              <a:rPr lang="de-DE" dirty="0" smtClean="0"/>
-              <a:t>ASYNC/AWAIT</a:t>
-            </a:r>
-          </a:p>
-          <a:p>
-            <a:r>
-              <a:rPr lang="de-DE" dirty="0" err="1" smtClean="0"/>
-              <a:t>Compiles</a:t>
             </a:r>
             <a:r>
               <a:rPr lang="de-DE" dirty="0"/>
               <a:t> </a:t>
             </a:r>
             <a:r>
-              <a:rPr lang="de-DE" dirty="0" smtClean="0"/>
-              <a:t>to:</a:t>
+              <a:rPr lang="de-DE" dirty="0" err="1"/>
+              <a:t>can</a:t>
+            </a:r>
+            <a:r>
+              <a:rPr lang="de-DE" dirty="0"/>
+              <a:t> </a:t>
+            </a:r>
+            <a:r>
+              <a:rPr lang="de-DE" dirty="0" err="1"/>
+              <a:t>instantly</a:t>
+            </a:r>
+            <a:r>
+              <a:rPr lang="de-DE" dirty="0"/>
+              <a:t> </a:t>
+            </a:r>
+            <a:r>
+              <a:rPr lang="de-DE" dirty="0" err="1"/>
+              <a:t>start</a:t>
+            </a:r>
+            <a:endParaRPr lang="de-DE" dirty="0"/>
+          </a:p>
+          <a:p>
+            <a:r>
+              <a:rPr lang="de-DE" dirty="0"/>
+              <a:t>Single </a:t>
+            </a:r>
+            <a:r>
+              <a:rPr lang="de-DE" dirty="0" err="1"/>
+              <a:t>threaded</a:t>
+            </a:r>
+            <a:r>
+              <a:rPr lang="de-DE" dirty="0"/>
+              <a:t> </a:t>
+            </a:r>
+            <a:r>
+              <a:rPr lang="de-DE" dirty="0" err="1"/>
+              <a:t>by</a:t>
+            </a:r>
+            <a:r>
+              <a:rPr lang="de-DE" dirty="0"/>
+              <a:t> </a:t>
+            </a:r>
+            <a:r>
+              <a:rPr lang="de-DE" dirty="0" err="1"/>
+              <a:t>default</a:t>
+            </a:r>
+            <a:r>
+              <a:rPr lang="de-DE" dirty="0"/>
+              <a:t>. Isolates don‘t </a:t>
+            </a:r>
+            <a:r>
+              <a:rPr lang="de-DE" dirty="0" err="1"/>
+              <a:t>share</a:t>
+            </a:r>
+            <a:r>
+              <a:rPr lang="de-DE" dirty="0"/>
+              <a:t> </a:t>
+            </a:r>
+            <a:r>
+              <a:rPr lang="de-DE" dirty="0" err="1"/>
+              <a:t>memory</a:t>
+            </a:r>
+            <a:endParaRPr lang="de-DE" dirty="0"/>
+          </a:p>
+          <a:p>
+            <a:r>
+              <a:rPr lang="de-DE" dirty="0"/>
+              <a:t>Streams </a:t>
+            </a:r>
+            <a:r>
+              <a:rPr lang="de-DE" dirty="0" err="1"/>
+              <a:t>are</a:t>
+            </a:r>
+            <a:r>
+              <a:rPr lang="de-DE" dirty="0"/>
+              <a:t> </a:t>
+            </a:r>
+            <a:r>
+              <a:rPr lang="de-DE" dirty="0" err="1"/>
+              <a:t>part</a:t>
+            </a:r>
+            <a:r>
+              <a:rPr lang="de-DE" dirty="0"/>
+              <a:t> of </a:t>
+            </a:r>
+            <a:r>
+              <a:rPr lang="de-DE" dirty="0" err="1"/>
+              <a:t>the</a:t>
+            </a:r>
+            <a:r>
+              <a:rPr lang="de-DE" dirty="0"/>
+              <a:t> </a:t>
+            </a:r>
+            <a:r>
+              <a:rPr lang="de-DE" dirty="0" err="1"/>
+              <a:t>language</a:t>
+            </a:r>
+            <a:endParaRPr lang="de-DE" dirty="0"/>
+          </a:p>
+          <a:p>
+            <a:r>
+              <a:rPr lang="de-DE" dirty="0"/>
+              <a:t>ASYNC/AWAIT</a:t>
+            </a:r>
+          </a:p>
+          <a:p>
+            <a:r>
+              <a:rPr lang="de-DE" dirty="0" err="1"/>
+              <a:t>Compiles</a:t>
+            </a:r>
+            <a:r>
+              <a:rPr lang="de-DE" dirty="0"/>
+              <a:t> to:</a:t>
             </a:r>
           </a:p>
           <a:p>
             <a:pPr lvl="1"/>
             <a:r>
-              <a:rPr lang="de-DE" dirty="0" smtClean="0"/>
+              <a:rPr lang="de-DE" dirty="0"/>
               <a:t>JS Script</a:t>
             </a:r>
           </a:p>
           <a:p>
             <a:pPr lvl="1"/>
             <a:r>
-              <a:rPr lang="de-DE" dirty="0" smtClean="0"/>
+              <a:rPr lang="de-DE" dirty="0"/>
               <a:t>ARM Code</a:t>
             </a:r>
           </a:p>
           <a:p>
             <a:r>
-              <a:rPr lang="de-DE" dirty="0" smtClean="0"/>
+              <a:rPr lang="de-DE" dirty="0"/>
               <a:t>Can </a:t>
             </a:r>
             <a:r>
-              <a:rPr lang="de-DE" dirty="0" err="1" smtClean="0"/>
+              <a:rPr lang="de-DE" dirty="0" err="1"/>
               <a:t>be</a:t>
             </a:r>
             <a:r>
-              <a:rPr lang="de-DE" dirty="0" smtClean="0"/>
+              <a:rPr lang="de-DE" dirty="0"/>
               <a:t> </a:t>
             </a:r>
             <a:r>
-              <a:rPr lang="de-DE" dirty="0" err="1" smtClean="0"/>
+              <a:rPr lang="de-DE" dirty="0" err="1"/>
               <a:t>interpreted</a:t>
             </a:r>
-            <a:endParaRPr lang="de-DE" dirty="0" smtClean="0"/>
-          </a:p>
-          <a:p>
-            <a:r>
-              <a:rPr lang="de-DE" dirty="0" smtClean="0"/>
+            <a:endParaRPr lang="de-DE" dirty="0"/>
+          </a:p>
+          <a:p>
+            <a:r>
+              <a:rPr lang="de-DE" dirty="0"/>
               <a:t>Not too </a:t>
             </a:r>
             <a:r>
-              <a:rPr lang="de-DE" dirty="0" err="1" smtClean="0"/>
+              <a:rPr lang="de-DE" dirty="0" err="1"/>
               <a:t>complex</a:t>
             </a:r>
             <a:r>
-              <a:rPr lang="de-DE" dirty="0" smtClean="0"/>
+              <a:rPr lang="de-DE" dirty="0"/>
               <a:t> but </a:t>
             </a:r>
             <a:r>
-              <a:rPr lang="de-DE" dirty="0" err="1" smtClean="0"/>
+              <a:rPr lang="de-DE" dirty="0" err="1"/>
               <a:t>adds</a:t>
             </a:r>
             <a:r>
-              <a:rPr lang="de-DE" dirty="0" smtClean="0"/>
+              <a:rPr lang="de-DE" dirty="0"/>
               <a:t> some </a:t>
             </a:r>
             <a:r>
-              <a:rPr lang="de-DE" dirty="0" err="1" smtClean="0"/>
+              <a:rPr lang="de-DE" dirty="0" err="1"/>
               <a:t>nice</a:t>
             </a:r>
             <a:r>
-              <a:rPr lang="de-DE" dirty="0" smtClean="0"/>
+              <a:rPr lang="de-DE" dirty="0"/>
               <a:t> </a:t>
             </a:r>
             <a:r>
-              <a:rPr lang="de-DE" dirty="0" err="1" smtClean="0"/>
+              <a:rPr lang="de-DE" dirty="0" err="1"/>
               <a:t>language</a:t>
             </a:r>
             <a:r>
-              <a:rPr lang="de-DE" dirty="0" smtClean="0"/>
+              <a:rPr lang="de-DE" dirty="0"/>
               <a:t> </a:t>
             </a:r>
             <a:r>
-              <a:rPr lang="de-DE" dirty="0" err="1" smtClean="0"/>
+              <a:rPr lang="de-DE" dirty="0" err="1"/>
               <a:t>features</a:t>
             </a:r>
-            <a:endParaRPr lang="de-DE" dirty="0" smtClean="0"/>
-          </a:p>
-          <a:p>
-            <a:r>
-              <a:rPr lang="de-DE" dirty="0" smtClean="0"/>
+            <a:endParaRPr lang="de-DE" dirty="0"/>
+          </a:p>
+          <a:p>
+            <a:r>
+              <a:rPr lang="de-DE" dirty="0"/>
               <a:t>All </a:t>
             </a:r>
             <a:r>
-              <a:rPr lang="de-DE" dirty="0" err="1" smtClean="0"/>
+              <a:rPr lang="de-DE" dirty="0" err="1"/>
               <a:t>packages</a:t>
             </a:r>
             <a:r>
-              <a:rPr lang="de-DE" dirty="0" smtClean="0"/>
+              <a:rPr lang="de-DE" dirty="0"/>
               <a:t> </a:t>
             </a:r>
             <a:r>
-              <a:rPr lang="de-DE" dirty="0" err="1" smtClean="0"/>
+              <a:rPr lang="de-DE" dirty="0" err="1"/>
               <a:t>are</a:t>
             </a:r>
             <a:r>
-              <a:rPr lang="de-DE" dirty="0" smtClean="0"/>
+              <a:rPr lang="de-DE" dirty="0"/>
               <a:t> </a:t>
             </a:r>
             <a:r>
-              <a:rPr lang="de-DE" dirty="0" err="1" smtClean="0"/>
+              <a:rPr lang="de-DE" dirty="0" err="1"/>
               <a:t>distributed</a:t>
             </a:r>
             <a:r>
-              <a:rPr lang="de-DE" dirty="0" smtClean="0"/>
+              <a:rPr lang="de-DE" dirty="0"/>
               <a:t> </a:t>
             </a:r>
             <a:r>
-              <a:rPr lang="de-DE" dirty="0" err="1" smtClean="0"/>
+              <a:rPr lang="de-DE" dirty="0" err="1"/>
               <a:t>as</a:t>
             </a:r>
             <a:r>
-              <a:rPr lang="de-DE" dirty="0" smtClean="0"/>
+              <a:rPr lang="de-DE" dirty="0"/>
               <a:t> </a:t>
             </a:r>
             <a:r>
-              <a:rPr lang="de-DE" dirty="0" err="1" smtClean="0"/>
+              <a:rPr lang="de-DE" dirty="0" err="1"/>
               <a:t>source</a:t>
             </a:r>
             <a:r>
-              <a:rPr lang="de-DE" dirty="0" smtClean="0"/>
+              <a:rPr lang="de-DE" dirty="0"/>
               <a:t> </a:t>
             </a:r>
             <a:r>
-              <a:rPr lang="de-DE" dirty="0" err="1" smtClean="0"/>
+              <a:rPr lang="de-DE" dirty="0" err="1"/>
               <a:t>code</a:t>
             </a:r>
             <a:endParaRPr lang="de-DE" dirty="0"/>
@@ -13356,7 +13319,7 @@
               <a:buNone/>
             </a:pPr>
             <a:r>
-              <a:rPr lang="en" dirty="0" smtClean="0"/>
+              <a:rPr lang="en" dirty="0"/>
               <a:t>Flutter fundamentals</a:t>
             </a:r>
             <a:endParaRPr dirty="0"/>
@@ -13538,11 +13501,7 @@
             </a:pPr>
             <a:r>
               <a:rPr lang="en" sz="1800" dirty="0"/>
-              <a:t>No need to use </a:t>
-            </a:r>
-            <a:r>
-              <a:rPr lang="en" sz="1800" dirty="0" smtClean="0"/>
-              <a:t>any marshalling/PInvoke</a:t>
+              <a:t>No need to use any marshalling/PInvoke</a:t>
             </a:r>
             <a:endParaRPr sz="1800" dirty="0"/>
           </a:p>
@@ -13602,11 +13561,7 @@
             </a:pPr>
             <a:r>
               <a:rPr lang="en" sz="1800" dirty="0"/>
-              <a:t>Runs right on the </a:t>
-            </a:r>
-            <a:r>
-              <a:rPr lang="en" sz="1800" dirty="0" smtClean="0"/>
-              <a:t>metal</a:t>
+              <a:t>Runs right on the metal</a:t>
             </a:r>
           </a:p>
           <a:p>
@@ -13640,7 +13595,7 @@
               <a:buChar char="●"/>
             </a:pPr>
             <a:r>
-              <a:rPr lang="en" sz="2800" dirty="0" smtClean="0"/>
+              <a:rPr lang="en" sz="2800" dirty="0"/>
               <a:t>Everything is a Widget</a:t>
             </a:r>
             <a:endParaRPr sz="2800" dirty="0"/>
@@ -13917,10 +13872,9 @@
           <a:lstStyle/>
           <a:p>
             <a:r>
-              <a:rPr lang="en-GB" dirty="0" smtClean="0"/>
+              <a:rPr lang="en-GB" dirty="0"/>
               <a:t>Why Flutter is called Reactive</a:t>
             </a:r>
-            <a:endParaRPr lang="en-GB" dirty="0"/>
           </a:p>
         </p:txBody>
       </p:sp>
@@ -13940,30 +13894,30 @@
           <a:lstStyle/>
           <a:p>
             <a:r>
-              <a:rPr lang="en-GB" sz="2000" dirty="0" smtClean="0"/>
+              <a:rPr lang="en-GB" sz="2000" dirty="0"/>
               <a:t>No data bindings between </a:t>
             </a:r>
             <a:r>
-              <a:rPr lang="en-GB" sz="2000" dirty="0" err="1" smtClean="0"/>
+              <a:rPr lang="en-GB" sz="2000" dirty="0" err="1"/>
               <a:t>ViewModels</a:t>
             </a:r>
             <a:r>
-              <a:rPr lang="en-GB" sz="2000" dirty="0" smtClean="0"/>
+              <a:rPr lang="en-GB" sz="2000" dirty="0"/>
               <a:t> and Views</a:t>
             </a:r>
           </a:p>
           <a:p>
             <a:r>
-              <a:rPr lang="en-GB" sz="2000" dirty="0" smtClean="0"/>
+              <a:rPr lang="en-GB" sz="2000" dirty="0"/>
               <a:t>Each data change triggers a redraw of the UI</a:t>
             </a:r>
           </a:p>
           <a:p>
-            <a:endParaRPr lang="en-GB" sz="2000" dirty="0" smtClean="0"/>
-          </a:p>
-          <a:p>
-            <a:r>
-              <a:rPr lang="en-GB" sz="2000" dirty="0" smtClean="0"/>
+            <a:endParaRPr lang="en-GB" sz="2000" dirty="0"/>
+          </a:p>
+          <a:p>
+            <a:r>
+              <a:rPr lang="en-GB" sz="2000" dirty="0"/>
               <a:t>MVVM is not the best suited pattern for Flutter</a:t>
             </a:r>
           </a:p>
@@ -13971,18 +13925,17 @@
             <a:pPr marL="146050" indent="0">
               <a:buNone/>
             </a:pPr>
-            <a:endParaRPr lang="en-GB" sz="2000" dirty="0" smtClean="0"/>
-          </a:p>
-          <a:p>
-            <a:r>
-              <a:rPr lang="en-GB" sz="2000" dirty="0" err="1" smtClean="0"/>
+            <a:endParaRPr lang="en-GB" sz="2000" dirty="0"/>
+          </a:p>
+          <a:p>
+            <a:r>
+              <a:rPr lang="en-GB" sz="2000" dirty="0" err="1"/>
               <a:t>StreamBuilder</a:t>
             </a:r>
             <a:r>
-              <a:rPr lang="en-GB" sz="2000" dirty="0" smtClean="0"/>
+              <a:rPr lang="en-GB" sz="2000" dirty="0"/>
               <a:t> makes it easy to react on changes</a:t>
             </a:r>
-            <a:endParaRPr lang="en-GB" sz="2000" dirty="0"/>
           </a:p>
         </p:txBody>
       </p:sp>
@@ -14870,47 +14823,38 @@
               <a:buChar char="●"/>
             </a:pPr>
             <a:r>
-              <a:rPr lang="en" sz="1800" dirty="0" smtClean="0">
-                <a:latin typeface="Montserrat"/>
-                <a:ea typeface="Montserrat"/>
-                <a:cs typeface="Montserrat"/>
-                <a:sym typeface="Montserrat"/>
-              </a:rPr>
-              <a:t>What is Flutter</a:t>
-            </a:r>
-          </a:p>
-          <a:p>
-            <a:pPr marL="457200" lvl="0" indent="-342900" rtl="0">
-              <a:lnSpc>
-                <a:spcPct val="150000"/>
-              </a:lnSpc>
-              <a:spcBef>
-                <a:spcPts val="0"/>
-              </a:spcBef>
-              <a:spcAft>
-                <a:spcPts val="0"/>
-              </a:spcAft>
-              <a:buSzPts val="1800"/>
-              <a:buFont typeface="Montserrat"/>
-              <a:buChar char="●"/>
-            </a:pPr>
-            <a:r>
-              <a:rPr lang="en" sz="1800" dirty="0" smtClean="0">
-                <a:latin typeface="Montserrat"/>
-                <a:ea typeface="Montserrat"/>
-                <a:cs typeface="Montserrat"/>
-                <a:sym typeface="Montserrat"/>
-              </a:rPr>
-              <a:t>A </a:t>
-            </a:r>
-            <a:r>
               <a:rPr lang="en" sz="1800" dirty="0">
                 <a:latin typeface="Montserrat"/>
                 <a:ea typeface="Montserrat"/>
                 <a:cs typeface="Montserrat"/>
                 <a:sym typeface="Montserrat"/>
               </a:rPr>
-              <a:t>brief introduction to the Dart language</a:t>
+              <a:t>What is Flutter</a:t>
+            </a:r>
+          </a:p>
+          <a:p>
+            <a:pPr marL="457200" lvl="0" indent="-342900" rtl="0">
+              <a:lnSpc>
+                <a:spcPct val="150000"/>
+              </a:lnSpc>
+              <a:spcBef>
+                <a:spcPts val="0"/>
+              </a:spcBef>
+              <a:spcAft>
+                <a:spcPts val="0"/>
+              </a:spcAft>
+              <a:buSzPts val="1800"/>
+              <a:buFont typeface="Montserrat"/>
+              <a:buChar char="●"/>
+            </a:pPr>
+            <a:r>
+              <a:rPr lang="en" sz="1800" dirty="0">
+                <a:latin typeface="Montserrat"/>
+                <a:ea typeface="Montserrat"/>
+                <a:cs typeface="Montserrat"/>
+                <a:sym typeface="Montserrat"/>
+              </a:rPr>
+              <a:t>A brief introduction to the Dart language</a:t>
             </a:r>
             <a:endParaRPr sz="1800" dirty="0">
               <a:latin typeface="Montserrat"/>
@@ -14935,7 +14879,7 @@
               <a:buChar char="●"/>
             </a:pPr>
             <a:r>
-              <a:rPr lang="en" sz="1800" dirty="0" smtClean="0">
+              <a:rPr lang="en" sz="1800" dirty="0">
                 <a:latin typeface="Montserrat"/>
                 <a:ea typeface="Montserrat"/>
                 <a:cs typeface="Montserrat"/>
@@ -16193,10 +16137,9 @@
           <a:lstStyle/>
           <a:p>
             <a:r>
-              <a:rPr lang="de-DE" dirty="0" smtClean="0"/>
+              <a:rPr lang="de-DE" dirty="0"/>
               <a:t>Getting started</a:t>
             </a:r>
-            <a:endParaRPr lang="de-DE" dirty="0"/>
           </a:p>
         </p:txBody>
       </p:sp>
@@ -16216,173 +16159,178 @@
           <a:lstStyle/>
           <a:p>
             <a:r>
-              <a:rPr lang="de-DE" dirty="0" err="1" smtClean="0"/>
+              <a:rPr lang="de-DE" dirty="0" err="1"/>
               <a:t>Install</a:t>
             </a:r>
             <a:r>
-              <a:rPr lang="de-DE" dirty="0" smtClean="0"/>
+              <a:rPr lang="de-DE" dirty="0"/>
               <a:t> Android SDK</a:t>
             </a:r>
           </a:p>
           <a:p>
             <a:r>
-              <a:rPr lang="de-DE" dirty="0" err="1" smtClean="0"/>
+              <a:rPr lang="de-DE" dirty="0" err="1"/>
               <a:t>Install</a:t>
             </a:r>
             <a:r>
-              <a:rPr lang="de-DE" dirty="0" smtClean="0"/>
+              <a:rPr lang="de-DE" dirty="0"/>
               <a:t> your </a:t>
             </a:r>
             <a:r>
-              <a:rPr lang="de-DE" dirty="0" err="1" smtClean="0"/>
+              <a:rPr lang="de-DE" dirty="0" err="1"/>
               <a:t>favorite</a:t>
             </a:r>
             <a:r>
-              <a:rPr lang="de-DE" dirty="0" smtClean="0"/>
+              <a:rPr lang="de-DE" dirty="0"/>
               <a:t> IDE (VS </a:t>
             </a:r>
             <a:r>
-              <a:rPr lang="de-DE" dirty="0" err="1" smtClean="0"/>
+              <a:rPr lang="de-DE" dirty="0" err="1"/>
               <a:t>code</a:t>
             </a:r>
             <a:r>
-              <a:rPr lang="de-DE" dirty="0" smtClean="0"/>
+              <a:rPr lang="de-DE" dirty="0"/>
               <a:t>, Android Studio, </a:t>
             </a:r>
             <a:r>
-              <a:rPr lang="de-DE" dirty="0" err="1" smtClean="0"/>
+              <a:rPr lang="de-DE" dirty="0" err="1"/>
               <a:t>IntelliJ</a:t>
             </a:r>
             <a:r>
-              <a:rPr lang="de-DE" dirty="0" smtClean="0"/>
+              <a:rPr lang="de-DE" dirty="0"/>
               <a:t>)</a:t>
             </a:r>
           </a:p>
           <a:p>
             <a:r>
-              <a:rPr lang="de-DE" dirty="0" err="1" smtClean="0"/>
+              <a:rPr lang="de-DE" dirty="0" err="1"/>
               <a:t>Install</a:t>
             </a:r>
             <a:r>
-              <a:rPr lang="de-DE" dirty="0" smtClean="0"/>
+              <a:rPr lang="de-DE" dirty="0"/>
               <a:t> </a:t>
             </a:r>
             <a:r>
-              <a:rPr lang="de-DE" dirty="0" err="1" smtClean="0"/>
+              <a:rPr lang="de-DE" dirty="0" err="1"/>
               <a:t>Flutter</a:t>
             </a:r>
             <a:r>
-              <a:rPr lang="de-DE" dirty="0" smtClean="0"/>
+              <a:rPr lang="de-DE" dirty="0"/>
               <a:t> </a:t>
             </a:r>
             <a:r>
-              <a:rPr lang="de-DE" dirty="0" err="1" smtClean="0"/>
+              <a:rPr lang="de-DE" dirty="0" err="1"/>
               <a:t>plugins</a:t>
             </a:r>
             <a:r>
-              <a:rPr lang="de-DE" dirty="0" smtClean="0"/>
+              <a:rPr lang="de-DE" dirty="0"/>
               <a:t> for your DIE</a:t>
             </a:r>
           </a:p>
           <a:p>
             <a:r>
-              <a:rPr lang="de-DE" dirty="0" smtClean="0"/>
+              <a:rPr lang="de-DE" dirty="0"/>
               <a:t>Clone </a:t>
             </a:r>
             <a:r>
-              <a:rPr lang="de-DE" dirty="0" err="1" smtClean="0"/>
+              <a:rPr lang="de-DE" dirty="0" err="1"/>
               <a:t>the</a:t>
             </a:r>
             <a:r>
-              <a:rPr lang="de-DE" dirty="0" smtClean="0"/>
-              <a:t> </a:t>
-            </a:r>
-            <a:r>
-              <a:rPr lang="de-DE" dirty="0" err="1" smtClean="0"/>
-              <a:t>Flutter</a:t>
-            </a:r>
-            <a:r>
               <a:rPr lang="de-DE" dirty="0"/>
-              <a:t> repo </a:t>
+              <a:t> Flutter repo </a:t>
             </a:r>
             <a:r>
               <a:rPr lang="de-DE" dirty="0">
                 <a:hlinkClick r:id="rId2"/>
               </a:rPr>
-              <a:t>https://</a:t>
-            </a:r>
-            <a:r>
-              <a:rPr lang="de-DE" dirty="0" smtClean="0">
-                <a:hlinkClick r:id="rId2"/>
-              </a:rPr>
-              <a:t>gitter.im/flutter/flutter</a:t>
-            </a:r>
-            <a:endParaRPr lang="de-DE" dirty="0" smtClean="0"/>
-          </a:p>
-          <a:p>
-            <a:r>
-              <a:rPr lang="de-DE" dirty="0" smtClean="0"/>
+              <a:t>https://gitter.im/flutter/flutter</a:t>
+            </a:r>
+            <a:endParaRPr lang="de-DE" dirty="0"/>
+          </a:p>
+          <a:p>
+            <a:r>
+              <a:rPr lang="de-DE" dirty="0"/>
+              <a:t>Add </a:t>
+            </a:r>
+            <a:r>
+              <a:rPr lang="de-DE" dirty="0" err="1"/>
+              <a:t>flutter</a:t>
+            </a:r>
+            <a:r>
+              <a:rPr lang="de-DE" dirty="0"/>
+              <a:t>/bin to your </a:t>
+            </a:r>
+            <a:r>
+              <a:rPr lang="de-DE" dirty="0" err="1"/>
+              <a:t>path</a:t>
+            </a:r>
+            <a:endParaRPr lang="de-DE" dirty="0"/>
+          </a:p>
+          <a:p>
+            <a:r>
+              <a:rPr lang="de-DE" dirty="0"/>
               <a:t>Run ‚</a:t>
             </a:r>
             <a:r>
-              <a:rPr lang="de-DE" dirty="0" err="1" smtClean="0"/>
+              <a:rPr lang="de-DE" dirty="0" err="1"/>
               <a:t>flutter</a:t>
             </a:r>
             <a:r>
-              <a:rPr lang="de-DE" dirty="0" smtClean="0"/>
+              <a:rPr lang="de-DE" dirty="0"/>
               <a:t> </a:t>
             </a:r>
             <a:r>
-              <a:rPr lang="de-DE" dirty="0" err="1" smtClean="0"/>
+              <a:rPr lang="de-DE" dirty="0" err="1"/>
               <a:t>doctor</a:t>
             </a:r>
             <a:r>
-              <a:rPr lang="de-DE" dirty="0" smtClean="0"/>
+              <a:rPr lang="de-DE" dirty="0"/>
               <a:t>‘</a:t>
             </a:r>
           </a:p>
           <a:p>
             <a:r>
-              <a:rPr lang="de-DE" dirty="0" smtClean="0"/>
+              <a:rPr lang="de-DE" dirty="0"/>
               <a:t>Create your </a:t>
             </a:r>
             <a:r>
-              <a:rPr lang="de-DE" dirty="0" err="1" smtClean="0"/>
+              <a:rPr lang="de-DE" dirty="0" err="1"/>
               <a:t>first</a:t>
             </a:r>
             <a:r>
-              <a:rPr lang="de-DE" dirty="0" smtClean="0"/>
+              <a:rPr lang="de-DE" dirty="0"/>
               <a:t> </a:t>
             </a:r>
             <a:r>
-              <a:rPr lang="de-DE" dirty="0" err="1" smtClean="0"/>
+              <a:rPr lang="de-DE" dirty="0" err="1"/>
               <a:t>app</a:t>
             </a:r>
             <a:r>
-              <a:rPr lang="de-DE" dirty="0" smtClean="0"/>
+              <a:rPr lang="de-DE" dirty="0"/>
               <a:t> with ‚</a:t>
             </a:r>
             <a:r>
-              <a:rPr lang="de-DE" dirty="0" err="1" smtClean="0"/>
+              <a:rPr lang="de-DE" dirty="0" err="1"/>
               <a:t>flutter</a:t>
             </a:r>
             <a:r>
-              <a:rPr lang="de-DE" dirty="0" smtClean="0"/>
+              <a:rPr lang="de-DE" dirty="0"/>
               <a:t> </a:t>
             </a:r>
             <a:r>
-              <a:rPr lang="de-DE" dirty="0" err="1" smtClean="0"/>
+              <a:rPr lang="de-DE" dirty="0" err="1"/>
               <a:t>create</a:t>
             </a:r>
             <a:r>
-              <a:rPr lang="de-DE" dirty="0" smtClean="0"/>
+              <a:rPr lang="de-DE" dirty="0"/>
               <a:t> </a:t>
             </a:r>
             <a:r>
-              <a:rPr lang="de-DE" dirty="0" err="1" smtClean="0"/>
+              <a:rPr lang="de-DE" dirty="0" err="1"/>
               <a:t>your_app_name</a:t>
             </a:r>
-            <a:endParaRPr lang="de-DE" dirty="0" smtClean="0"/>
+            <a:endParaRPr lang="de-DE" dirty="0"/>
           </a:p>
           <a:p>
             <a:pPr marL="146050" indent="0">
@@ -16457,7 +16405,7 @@
               <a:buNone/>
             </a:pPr>
             <a:r>
-              <a:rPr lang="en" dirty="0" smtClean="0"/>
+              <a:rPr lang="en" dirty="0"/>
               <a:t>Demo Time!</a:t>
             </a:r>
             <a:endParaRPr dirty="0"/>
@@ -16505,26 +16453,25 @@
           <a:lstStyle/>
           <a:p>
             <a:r>
-              <a:rPr lang="de-DE" dirty="0" smtClean="0"/>
+              <a:rPr lang="de-DE" dirty="0"/>
               <a:t>Advantages of </a:t>
             </a:r>
             <a:r>
-              <a:rPr lang="de-DE" dirty="0" err="1" smtClean="0"/>
+              <a:rPr lang="de-DE" dirty="0" err="1"/>
               <a:t>Flutter</a:t>
             </a:r>
             <a:r>
-              <a:rPr lang="de-DE" dirty="0" smtClean="0"/>
+              <a:rPr lang="de-DE" dirty="0"/>
               <a:t> </a:t>
             </a:r>
             <a:r>
-              <a:rPr lang="de-DE" dirty="0" err="1" smtClean="0"/>
+              <a:rPr lang="de-DE" dirty="0" err="1"/>
               <a:t>over</a:t>
             </a:r>
             <a:r>
-              <a:rPr lang="de-DE" dirty="0" smtClean="0"/>
+              <a:rPr lang="de-DE" dirty="0"/>
               <a:t> Xamarin Forms</a:t>
             </a:r>
-            <a:endParaRPr lang="de-DE" dirty="0"/>
           </a:p>
         </p:txBody>
       </p:sp>
@@ -16544,128 +16491,128 @@
           <a:lstStyle/>
           <a:p>
             <a:r>
-              <a:rPr lang="de-DE" sz="1600" dirty="0" err="1" smtClean="0"/>
+              <a:rPr lang="de-DE" sz="1600" dirty="0" err="1"/>
               <a:t>Very</a:t>
             </a:r>
             <a:r>
-              <a:rPr lang="de-DE" sz="1600" dirty="0" smtClean="0"/>
+              <a:rPr lang="de-DE" sz="1600" dirty="0"/>
               <a:t> </a:t>
             </a:r>
             <a:r>
-              <a:rPr lang="de-DE" sz="1600" dirty="0" err="1" smtClean="0"/>
+              <a:rPr lang="de-DE" sz="1600" dirty="0" err="1"/>
               <a:t>stable</a:t>
             </a:r>
             <a:r>
-              <a:rPr lang="de-DE" sz="1600" dirty="0" smtClean="0"/>
+              <a:rPr lang="de-DE" sz="1600" dirty="0"/>
               <a:t> </a:t>
             </a:r>
             <a:r>
-              <a:rPr lang="de-DE" sz="1600" dirty="0" err="1" smtClean="0"/>
+              <a:rPr lang="de-DE" sz="1600" dirty="0" err="1"/>
               <a:t>tool</a:t>
             </a:r>
             <a:r>
-              <a:rPr lang="de-DE" sz="1600" dirty="0" smtClean="0"/>
+              <a:rPr lang="de-DE" sz="1600" dirty="0"/>
               <a:t> </a:t>
             </a:r>
             <a:r>
-              <a:rPr lang="de-DE" sz="1600" dirty="0" err="1" smtClean="0"/>
+              <a:rPr lang="de-DE" sz="1600" dirty="0" err="1"/>
               <a:t>chain</a:t>
             </a:r>
             <a:r>
-              <a:rPr lang="de-DE" sz="1600" dirty="0" smtClean="0"/>
+              <a:rPr lang="de-DE" sz="1600" dirty="0"/>
               <a:t> (at least </a:t>
             </a:r>
             <a:r>
-              <a:rPr lang="de-DE" sz="1600" dirty="0" err="1" smtClean="0"/>
+              <a:rPr lang="de-DE" sz="1600" dirty="0" err="1"/>
               <a:t>if</a:t>
             </a:r>
             <a:r>
-              <a:rPr lang="de-DE" sz="1600" dirty="0" smtClean="0"/>
+              <a:rPr lang="de-DE" sz="1600" dirty="0"/>
               <a:t> you don‘t </a:t>
             </a:r>
             <a:r>
-              <a:rPr lang="de-DE" sz="1600" dirty="0" err="1" smtClean="0"/>
+              <a:rPr lang="de-DE" sz="1600" dirty="0" err="1"/>
               <a:t>use</a:t>
             </a:r>
             <a:r>
-              <a:rPr lang="de-DE" sz="1600" dirty="0" smtClean="0"/>
+              <a:rPr lang="de-DE" sz="1600" dirty="0"/>
               <a:t> </a:t>
             </a:r>
             <a:r>
-              <a:rPr lang="de-DE" sz="1600" dirty="0" err="1" smtClean="0"/>
+              <a:rPr lang="de-DE" sz="1600" dirty="0" err="1"/>
               <a:t>the</a:t>
             </a:r>
             <a:r>
-              <a:rPr lang="de-DE" sz="1600" dirty="0" smtClean="0"/>
+              <a:rPr lang="de-DE" sz="1600" dirty="0"/>
               <a:t> </a:t>
             </a:r>
             <a:r>
-              <a:rPr lang="de-DE" sz="1600" dirty="0" err="1" smtClean="0"/>
+              <a:rPr lang="de-DE" sz="1600" dirty="0" err="1"/>
               <a:t>master</a:t>
             </a:r>
             <a:r>
-              <a:rPr lang="de-DE" sz="1600" dirty="0" smtClean="0"/>
+              <a:rPr lang="de-DE" sz="1600" dirty="0"/>
               <a:t> </a:t>
             </a:r>
             <a:r>
-              <a:rPr lang="de-DE" sz="1600" dirty="0" err="1" smtClean="0"/>
+              <a:rPr lang="de-DE" sz="1600" dirty="0" err="1"/>
               <a:t>channel</a:t>
             </a:r>
             <a:r>
-              <a:rPr lang="de-DE" sz="1600" dirty="0" smtClean="0"/>
+              <a:rPr lang="de-DE" sz="1600" dirty="0"/>
               <a:t> 😊 )</a:t>
             </a:r>
           </a:p>
           <a:p>
             <a:r>
-              <a:rPr lang="de-DE" sz="1600" dirty="0" err="1" smtClean="0"/>
+              <a:rPr lang="de-DE" sz="1600" dirty="0" err="1"/>
               <a:t>Animations</a:t>
             </a:r>
             <a:r>
-              <a:rPr lang="de-DE" sz="1600" dirty="0" smtClean="0"/>
+              <a:rPr lang="de-DE" sz="1600" dirty="0"/>
               <a:t> with 60 FPS</a:t>
             </a:r>
           </a:p>
           <a:p>
             <a:r>
-              <a:rPr lang="de-DE" sz="1600" dirty="0" smtClean="0"/>
+              <a:rPr lang="de-DE" sz="1600" dirty="0"/>
               <a:t>Small App </a:t>
             </a:r>
             <a:r>
-              <a:rPr lang="de-DE" sz="1600" dirty="0" err="1" smtClean="0"/>
+              <a:rPr lang="de-DE" sz="1600" dirty="0" err="1"/>
               <a:t>size</a:t>
             </a:r>
-            <a:endParaRPr lang="de-DE" sz="1600" dirty="0" smtClean="0"/>
-          </a:p>
-          <a:p>
-            <a:r>
-              <a:rPr lang="de-DE" sz="1600" dirty="0" smtClean="0"/>
+            <a:endParaRPr lang="de-DE" sz="1600" dirty="0"/>
+          </a:p>
+          <a:p>
+            <a:r>
+              <a:rPr lang="de-DE" sz="1600" dirty="0"/>
               <a:t>Fast </a:t>
             </a:r>
             <a:r>
-              <a:rPr lang="de-DE" sz="1600" dirty="0" err="1" smtClean="0"/>
+              <a:rPr lang="de-DE" sz="1600" dirty="0" err="1"/>
               <a:t>startup</a:t>
             </a:r>
             <a:r>
-              <a:rPr lang="de-DE" sz="1600" dirty="0" smtClean="0"/>
+              <a:rPr lang="de-DE" sz="1600" dirty="0"/>
               <a:t> time like native Apps</a:t>
             </a:r>
           </a:p>
           <a:p>
             <a:r>
-              <a:rPr lang="de-DE" sz="1600" dirty="0" smtClean="0"/>
+              <a:rPr lang="de-DE" sz="1600" dirty="0"/>
               <a:t>High </a:t>
             </a:r>
             <a:r>
-              <a:rPr lang="de-DE" sz="1600" dirty="0" err="1" smtClean="0"/>
+              <a:rPr lang="de-DE" sz="1600" dirty="0" err="1"/>
               <a:t>productivity</a:t>
             </a:r>
             <a:r>
-              <a:rPr lang="de-DE" sz="1600" dirty="0" smtClean="0"/>
+              <a:rPr lang="de-DE" sz="1600" dirty="0"/>
               <a:t> due to  Hot </a:t>
             </a:r>
             <a:r>
-              <a:rPr lang="de-DE" sz="1600" dirty="0" err="1" smtClean="0"/>
+              <a:rPr lang="de-DE" sz="1600" dirty="0" err="1"/>
               <a:t>Reload</a:t>
             </a:r>
             <a:endParaRPr lang="de-DE" sz="1600" dirty="0"/>
@@ -16718,42 +16665,41 @@
           <a:lstStyle/>
           <a:p>
             <a:r>
-              <a:rPr lang="de-DE" dirty="0" smtClean="0"/>
+              <a:rPr lang="de-DE" dirty="0"/>
               <a:t>A </a:t>
             </a:r>
             <a:r>
-              <a:rPr lang="de-DE" dirty="0" err="1" smtClean="0"/>
+              <a:rPr lang="de-DE" dirty="0" err="1"/>
               <a:t>perfect</a:t>
             </a:r>
             <a:r>
-              <a:rPr lang="de-DE" dirty="0" smtClean="0"/>
+              <a:rPr lang="de-DE" dirty="0"/>
               <a:t> </a:t>
             </a:r>
             <a:r>
-              <a:rPr lang="de-DE" dirty="0" err="1" smtClean="0"/>
+              <a:rPr lang="de-DE" dirty="0" err="1"/>
               <a:t>cross</a:t>
             </a:r>
             <a:r>
-              <a:rPr lang="de-DE" dirty="0" smtClean="0"/>
+              <a:rPr lang="de-DE" dirty="0"/>
               <a:t> </a:t>
             </a:r>
             <a:r>
-              <a:rPr lang="de-DE" dirty="0" err="1" smtClean="0"/>
+              <a:rPr lang="de-DE" dirty="0" err="1"/>
               <a:t>platform</a:t>
             </a:r>
             <a:r>
-              <a:rPr lang="de-DE" dirty="0" smtClean="0"/>
+              <a:rPr lang="de-DE" dirty="0"/>
               <a:t> </a:t>
             </a:r>
             <a:r>
-              <a:rPr lang="de-DE" dirty="0" err="1" smtClean="0"/>
+              <a:rPr lang="de-DE" dirty="0" err="1"/>
               <a:t>world</a:t>
             </a:r>
             <a:r>
-              <a:rPr lang="de-DE" dirty="0" smtClean="0"/>
+              <a:rPr lang="de-DE" dirty="0"/>
               <a:t>?</a:t>
             </a:r>
-            <a:endParaRPr lang="de-DE" dirty="0"/>
           </a:p>
         </p:txBody>
       </p:sp>
@@ -16773,152 +16719,138 @@
           <a:lstStyle/>
           <a:p>
             <a:r>
-              <a:rPr lang="de-DE" sz="1600" dirty="0" smtClean="0"/>
+              <a:rPr lang="de-DE" sz="1600" dirty="0"/>
               <a:t>To </a:t>
             </a:r>
             <a:r>
-              <a:rPr lang="de-DE" sz="1600" dirty="0" err="1" smtClean="0"/>
+              <a:rPr lang="de-DE" sz="1600" dirty="0" err="1"/>
               <a:t>access</a:t>
             </a:r>
             <a:r>
-              <a:rPr lang="de-DE" sz="1600" dirty="0" smtClean="0"/>
+              <a:rPr lang="de-DE" sz="1600" dirty="0"/>
               <a:t> native APIs you </a:t>
             </a:r>
             <a:r>
-              <a:rPr lang="de-DE" sz="1600" dirty="0" err="1" smtClean="0"/>
+              <a:rPr lang="de-DE" sz="1600" dirty="0" err="1"/>
               <a:t>need</a:t>
             </a:r>
             <a:r>
-              <a:rPr lang="de-DE" sz="1600" dirty="0" smtClean="0"/>
+              <a:rPr lang="de-DE" sz="1600" dirty="0"/>
               <a:t> to </a:t>
             </a:r>
             <a:r>
-              <a:rPr lang="de-DE" sz="1600" dirty="0" err="1" smtClean="0"/>
+              <a:rPr lang="de-DE" sz="1600" dirty="0" err="1"/>
               <a:t>write</a:t>
             </a:r>
             <a:r>
-              <a:rPr lang="de-DE" sz="1600" dirty="0" smtClean="0"/>
+              <a:rPr lang="de-DE" sz="1600" dirty="0"/>
               <a:t> a native </a:t>
             </a:r>
             <a:r>
-              <a:rPr lang="de-DE" sz="1600" dirty="0" err="1" smtClean="0"/>
+              <a:rPr lang="de-DE" sz="1600" dirty="0" err="1"/>
               <a:t>plugin</a:t>
+            </a:r>
+            <a:r>
+              <a:rPr lang="de-DE" sz="1600" dirty="0"/>
+              <a:t> in Java/Swift/</a:t>
+            </a:r>
+            <a:r>
+              <a:rPr lang="de-DE" sz="1600" dirty="0" err="1"/>
+              <a:t>obj</a:t>
+            </a:r>
+            <a:r>
+              <a:rPr lang="de-DE" sz="1600" dirty="0"/>
+              <a:t>-c</a:t>
+            </a:r>
+          </a:p>
+          <a:p>
+            <a:r>
+              <a:rPr lang="de-DE" sz="1600" dirty="0"/>
+              <a:t>Still some </a:t>
+            </a:r>
+            <a:r>
+              <a:rPr lang="de-DE" sz="1600" dirty="0" err="1"/>
+              <a:t>plugins</a:t>
             </a:r>
             <a:r>
               <a:rPr lang="de-DE" sz="1600" dirty="0"/>
               <a:t> </a:t>
             </a:r>
             <a:r>
-              <a:rPr lang="de-DE" sz="1600" dirty="0" smtClean="0"/>
-              <a:t>in Java/Swift/</a:t>
-            </a:r>
-            <a:r>
-              <a:rPr lang="de-DE" sz="1600" dirty="0" err="1" smtClean="0"/>
-              <a:t>obj</a:t>
-            </a:r>
-            <a:r>
-              <a:rPr lang="de-DE" sz="1600" dirty="0" smtClean="0"/>
-              <a:t>-c</a:t>
-            </a:r>
-          </a:p>
-          <a:p>
-            <a:r>
-              <a:rPr lang="de-DE" sz="1600" dirty="0" smtClean="0"/>
-              <a:t>Still some </a:t>
-            </a:r>
-            <a:r>
-              <a:rPr lang="de-DE" sz="1600" dirty="0" err="1" smtClean="0"/>
-              <a:t>plugins</a:t>
-            </a:r>
-            <a:r>
-              <a:rPr lang="de-DE" sz="1600" dirty="0" smtClean="0"/>
+              <a:rPr lang="de-DE" sz="1600" dirty="0" err="1"/>
+              <a:t>are</a:t>
+            </a:r>
+            <a:r>
+              <a:rPr lang="de-DE" sz="1600" dirty="0"/>
+              <a:t> missing but ist getting better</a:t>
+            </a:r>
+          </a:p>
+          <a:p>
+            <a:r>
+              <a:rPr lang="de-DE" sz="1600" dirty="0" err="1"/>
+              <a:t>Intellisense</a:t>
+            </a:r>
+            <a:r>
+              <a:rPr lang="de-DE" sz="1600" dirty="0"/>
+              <a:t> in IDEs </a:t>
+            </a:r>
+            <a:r>
+              <a:rPr lang="de-DE" sz="1600" dirty="0" err="1"/>
+              <a:t>is</a:t>
+            </a:r>
+            <a:r>
+              <a:rPr lang="de-DE" sz="1600" dirty="0"/>
+              <a:t> not </a:t>
+            </a:r>
+            <a:r>
+              <a:rPr lang="de-DE" sz="1600" dirty="0" err="1"/>
+              <a:t>as</a:t>
+            </a:r>
+            <a:r>
+              <a:rPr lang="de-DE" sz="1600" dirty="0"/>
+              <a:t> far </a:t>
+            </a:r>
+            <a:r>
+              <a:rPr lang="de-DE" sz="1600" dirty="0" err="1"/>
+              <a:t>developed</a:t>
+            </a:r>
+            <a:r>
+              <a:rPr lang="de-DE" sz="1600" dirty="0"/>
               <a:t> </a:t>
             </a:r>
             <a:r>
-              <a:rPr lang="de-DE" sz="1600" dirty="0" err="1" smtClean="0"/>
-              <a:t>are</a:t>
-            </a:r>
-            <a:r>
-              <a:rPr lang="de-DE" sz="1600" dirty="0" smtClean="0"/>
-              <a:t> missing but ist getting better</a:t>
-            </a:r>
-          </a:p>
-          <a:p>
-            <a:r>
-              <a:rPr lang="de-DE" sz="1600" dirty="0" err="1" smtClean="0"/>
-              <a:t>Intellisense</a:t>
-            </a:r>
-            <a:r>
-              <a:rPr lang="de-DE" sz="1600" dirty="0" smtClean="0"/>
-              <a:t> in IDEs </a:t>
-            </a:r>
-            <a:r>
-              <a:rPr lang="de-DE" sz="1600" dirty="0" err="1" smtClean="0"/>
-              <a:t>is</a:t>
-            </a:r>
-            <a:r>
-              <a:rPr lang="de-DE" sz="1600" dirty="0" smtClean="0"/>
-              <a:t> not </a:t>
-            </a:r>
-            <a:r>
-              <a:rPr lang="de-DE" sz="1600" dirty="0" err="1" smtClean="0"/>
+              <a:rPr lang="de-DE" sz="1600" dirty="0" err="1"/>
               <a:t>as</a:t>
             </a:r>
             <a:r>
-              <a:rPr lang="de-DE" sz="1600" dirty="0" smtClean="0"/>
-              <a:t> far </a:t>
-            </a:r>
-            <a:r>
-              <a:rPr lang="de-DE" sz="1600" dirty="0" err="1" smtClean="0"/>
-              <a:t>developed</a:t>
-            </a:r>
-            <a:r>
-              <a:rPr lang="de-DE" sz="1600" dirty="0" smtClean="0"/>
-              <a:t> </a:t>
-            </a:r>
-            <a:r>
-              <a:rPr lang="de-DE" sz="1600" dirty="0" err="1" smtClean="0"/>
+              <a:rPr lang="de-DE" sz="1600" dirty="0"/>
+              <a:t> in Visual Studio</a:t>
+            </a:r>
+          </a:p>
+          <a:p>
+            <a:r>
+              <a:rPr lang="de-DE" sz="1600" dirty="0"/>
+              <a:t>iOS like Widgets still not </a:t>
+            </a:r>
+            <a:r>
+              <a:rPr lang="de-DE" sz="1600" dirty="0" err="1"/>
               <a:t>as</a:t>
             </a:r>
             <a:r>
-              <a:rPr lang="de-DE" sz="1600" dirty="0" smtClean="0"/>
-              <a:t> in Visual Studio</a:t>
-            </a:r>
-          </a:p>
-          <a:p>
-            <a:r>
-              <a:rPr lang="de-DE" sz="1600" dirty="0" smtClean="0"/>
-              <a:t>iOS like </a:t>
-            </a:r>
-            <a:r>
-              <a:rPr lang="de-DE" sz="1600" dirty="0" err="1" smtClean="0"/>
-              <a:t>Widgets</a:t>
-            </a:r>
-            <a:r>
-              <a:rPr lang="de-DE" sz="1600" dirty="0" smtClean="0"/>
-              <a:t> still not </a:t>
-            </a:r>
-            <a:r>
-              <a:rPr lang="de-DE" sz="1600" dirty="0" err="1" smtClean="0"/>
-              <a:t>as</a:t>
-            </a:r>
-            <a:r>
-              <a:rPr lang="de-DE" sz="1600" dirty="0" smtClean="0"/>
-              <a:t> good </a:t>
-            </a:r>
-            <a:r>
-              <a:rPr lang="de-DE" sz="1600" dirty="0" err="1" smtClean="0"/>
-              <a:t>supported</a:t>
-            </a:r>
-            <a:r>
-              <a:rPr lang="de-DE" sz="1600" dirty="0" smtClean="0"/>
-              <a:t> than Material </a:t>
-            </a:r>
-            <a:r>
-              <a:rPr lang="de-DE" sz="1600" dirty="0" err="1" smtClean="0"/>
+              <a:rPr lang="de-DE" sz="1600" dirty="0"/>
+              <a:t> good supported than Material </a:t>
+            </a:r>
+            <a:r>
+              <a:rPr lang="de-DE" sz="1600" dirty="0" err="1"/>
               <a:t>ones</a:t>
             </a:r>
             <a:endParaRPr lang="de-DE" sz="1600" dirty="0"/>
+          </a:p>
+          <a:p>
+            <a:r>
+              <a:rPr lang="de-DE" sz="1600" dirty="0"/>
+              <a:t>No Azure SDKs currently</a:t>
+            </a:r>
           </a:p>
         </p:txBody>
       </p:sp>
@@ -17006,8 +16938,8 @@
         </p:nvSpPr>
         <p:spPr>
           <a:xfrm>
-            <a:off x="1297500" y="957950"/>
-            <a:ext cx="6912000" cy="3472200"/>
+            <a:off x="939403" y="957949"/>
+            <a:ext cx="8143875" cy="3939091"/>
           </a:xfrm>
           <a:prstGeom prst="rect">
             <a:avLst/>
@@ -17033,7 +16965,7 @@
               <a:buChar char="●"/>
             </a:pPr>
             <a:r>
-              <a:rPr lang="en" sz="1800" u="sng" dirty="0">
+              <a:rPr lang="en" sz="1600" u="sng" dirty="0">
                 <a:solidFill>
                   <a:schemeClr val="hlink"/>
                 </a:solidFill>
@@ -17041,7 +16973,7 @@
               </a:rPr>
               <a:t>https://flutter.io/</a:t>
             </a:r>
-            <a:endParaRPr sz="1800" dirty="0"/>
+            <a:endParaRPr sz="1600" dirty="0"/>
           </a:p>
           <a:p>
             <a:pPr marL="457200" lvl="0" indent="-342900" rtl="0">
@@ -17058,24 +16990,15 @@
               <a:buChar char="●"/>
             </a:pPr>
             <a:r>
-              <a:rPr lang="en" sz="1800" u="sng" dirty="0">
+              <a:rPr lang="en" sz="1600" u="sng" dirty="0">
                 <a:solidFill>
                   <a:schemeClr val="hlink"/>
                 </a:solidFill>
                 <a:hlinkClick r:id="rId4"/>
               </a:rPr>
-              <a:t>https://</a:t>
-            </a:r>
-            <a:r>
-              <a:rPr lang="en" sz="1800" u="sng" dirty="0" smtClean="0">
-                <a:solidFill>
-                  <a:schemeClr val="hlink"/>
-                </a:solidFill>
-                <a:hlinkClick r:id="rId4"/>
-              </a:rPr>
-              <a:t>github.com/flutter/flutter</a:t>
-            </a:r>
-            <a:endParaRPr sz="1800" dirty="0"/>
+              <a:t>https://github.com/flutter/flutter</a:t>
+            </a:r>
+            <a:endParaRPr sz="1600" dirty="0"/>
           </a:p>
           <a:p>
             <a:pPr marL="457200" lvl="0" indent="-342900" rtl="0">
@@ -17092,7 +17015,7 @@
               <a:buChar char="●"/>
             </a:pPr>
             <a:r>
-              <a:rPr lang="en" sz="1800" u="sng" dirty="0">
+              <a:rPr lang="en" sz="1600" u="sng" dirty="0">
                 <a:solidFill>
                   <a:schemeClr val="hlink"/>
                 </a:solidFill>
@@ -17100,7 +17023,7 @@
               </a:rPr>
               <a:t>https://github.com/flutter/plugins/blob/master/FlutterFire.md</a:t>
             </a:r>
-            <a:endParaRPr sz="1800" dirty="0"/>
+            <a:endParaRPr sz="1600" dirty="0"/>
           </a:p>
           <a:p>
             <a:pPr marL="457200" lvl="0" indent="-342900">
@@ -17117,33 +17040,15 @@
               <a:buChar char="●"/>
             </a:pPr>
             <a:r>
-              <a:rPr lang="en" sz="1800" u="sng" dirty="0" smtClean="0">
+              <a:rPr lang="en" sz="1600" u="sng" dirty="0">
                 <a:solidFill>
                   <a:schemeClr val="hlink"/>
                 </a:solidFill>
                 <a:hlinkClick r:id="rId6"/>
               </a:rPr>
-              <a:t>https</a:t>
-            </a:r>
-            <a:r>
-              <a:rPr lang="en" sz="1800" u="sng" dirty="0">
-                <a:solidFill>
-                  <a:schemeClr val="hlink"/>
-                </a:solidFill>
-                <a:hlinkClick r:id="rId6"/>
-              </a:rPr>
-              <a:t>://</a:t>
-            </a:r>
-            <a:r>
-              <a:rPr lang="en" sz="1800" u="sng" dirty="0" smtClean="0">
-                <a:solidFill>
-                  <a:schemeClr val="hlink"/>
-                </a:solidFill>
-                <a:hlinkClick r:id="rId6"/>
-              </a:rPr>
-              <a:t>github.com/Solido/awesome-flutter</a:t>
-            </a:r>
-            <a:endParaRPr lang="en" sz="1800" u="sng" dirty="0" smtClean="0">
+              <a:t>https://github.com/Solido/awesome-flutter</a:t>
+            </a:r>
+            <a:endParaRPr lang="en" sz="1600" u="sng" dirty="0">
               <a:solidFill>
                 <a:schemeClr val="hlink"/>
               </a:solidFill>
@@ -17163,7 +17068,7 @@
               <a:buSzPts val="1800"/>
               <a:buChar char="●"/>
             </a:pPr>
-            <a:endParaRPr lang="en" sz="1800" u="sng" dirty="0">
+            <a:endParaRPr lang="en" sz="1600" u="sng" dirty="0">
               <a:solidFill>
                 <a:schemeClr val="hlink"/>
               </a:solidFill>
@@ -17177,7 +17082,7 @@
               <a:buSzPts val="1800"/>
             </a:pPr>
             <a:r>
-              <a:rPr lang="de-DE" sz="1800" dirty="0" smtClean="0">
+              <a:rPr lang="de-DE" sz="1600" dirty="0">
                 <a:solidFill>
                   <a:schemeClr val="hlink"/>
                 </a:solidFill>
@@ -17185,7 +17090,7 @@
               <a:t>My </a:t>
             </a:r>
             <a:r>
-              <a:rPr lang="de-DE" sz="1800" dirty="0" err="1" smtClean="0">
+              <a:rPr lang="de-DE" sz="1600" dirty="0" err="1">
                 <a:solidFill>
                   <a:schemeClr val="hlink"/>
                 </a:solidFill>
@@ -17193,7 +17098,7 @@
               <a:t>blog</a:t>
             </a:r>
             <a:r>
-              <a:rPr lang="de-DE" sz="1800" dirty="0" smtClean="0">
+              <a:rPr lang="de-DE" sz="1600" dirty="0">
                 <a:solidFill>
                   <a:schemeClr val="hlink"/>
                 </a:solidFill>
@@ -17201,22 +17106,63 @@
               <a:t>: </a:t>
             </a:r>
             <a:r>
-              <a:rPr lang="de-DE" sz="1800" u="sng" dirty="0" smtClean="0">
+              <a:rPr lang="de-DE" sz="1600" u="sng" dirty="0">
                 <a:solidFill>
                   <a:schemeClr val="hlink"/>
                 </a:solidFill>
-              </a:rPr>
-              <a:t>https</a:t>
-            </a:r>
-            <a:r>
-              <a:rPr lang="de-DE" sz="1800" u="sng" dirty="0">
+                <a:hlinkClick r:id="rId7"/>
+              </a:rPr>
+              <a:t>https://www.burkharts.net/apps/blog/</a:t>
+            </a:r>
+            <a:endParaRPr lang="de-DE" sz="1600" u="sng" dirty="0">
+              <a:solidFill>
+                <a:schemeClr val="hlink"/>
+              </a:solidFill>
+            </a:endParaRPr>
+          </a:p>
+          <a:p>
+            <a:pPr lvl="0" indent="-342900">
+              <a:lnSpc>
+                <a:spcPct val="150000"/>
+              </a:lnSpc>
+              <a:buSzPts val="1800"/>
+            </a:pPr>
+            <a:r>
+              <a:rPr lang="de-DE" sz="1600" u="sng" dirty="0">
                 <a:solidFill>
                   <a:schemeClr val="hlink"/>
                 </a:solidFill>
               </a:rPr>
-              <a:t>://www.burkharts.net/apps/blog/</a:t>
-            </a:r>
-            <a:endParaRPr sz="1800" dirty="0"/>
+              <a:t>Demos:</a:t>
+            </a:r>
+          </a:p>
+          <a:p>
+            <a:pPr lvl="1" indent="-342900">
+              <a:lnSpc>
+                <a:spcPct val="150000"/>
+              </a:lnSpc>
+              <a:buSzPts val="1800"/>
+            </a:pPr>
+            <a:r>
+              <a:rPr lang="de-DE" sz="1400" dirty="0">
+                <a:hlinkClick r:id="rId8"/>
+              </a:rPr>
+              <a:t>https://github.com/matthew-carroll/flutter_ui_challenge_egg_timer</a:t>
+            </a:r>
+            <a:endParaRPr lang="de-DE" sz="1400" dirty="0"/>
+          </a:p>
+          <a:p>
+            <a:pPr lvl="1" indent="-342900">
+              <a:lnSpc>
+                <a:spcPct val="100000"/>
+              </a:lnSpc>
+              <a:buSzPts val="1800"/>
+            </a:pPr>
+            <a:r>
+              <a:rPr lang="de-DE" sz="1400" dirty="0"/>
+              <a:t>https://github.com/matthew-carroll/flutter_ui_challenge_material_page_reveal</a:t>
+            </a:r>
+            <a:endParaRPr sz="1400" dirty="0"/>
           </a:p>
         </p:txBody>
       </p:sp>
@@ -17398,14 +17344,13 @@
           <a:lstStyle/>
           <a:p>
             <a:r>
-              <a:rPr lang="de-DE" dirty="0" smtClean="0"/>
+              <a:rPr lang="de-DE" dirty="0"/>
               <a:t>Key </a:t>
             </a:r>
             <a:r>
-              <a:rPr lang="en-GB" dirty="0" smtClean="0"/>
+              <a:rPr lang="en-GB" dirty="0"/>
               <a:t>properties</a:t>
             </a:r>
-            <a:endParaRPr lang="en-GB" dirty="0"/>
           </a:p>
         </p:txBody>
       </p:sp>
@@ -17425,42 +17370,41 @@
           <a:lstStyle/>
           <a:p>
             <a:r>
-              <a:rPr lang="en-GB" sz="2000" dirty="0" smtClean="0"/>
+              <a:rPr lang="en-GB" sz="2000" dirty="0"/>
               <a:t>Fast:  60fps</a:t>
             </a:r>
           </a:p>
           <a:p>
             <a:r>
-              <a:rPr lang="en-GB" sz="2000" dirty="0" smtClean="0"/>
+              <a:rPr lang="en-GB" sz="2000" dirty="0"/>
               <a:t>Reactive</a:t>
             </a:r>
             <a:r>
-              <a:rPr lang="en-GB" sz="1800" dirty="0" smtClean="0"/>
+              <a:rPr lang="en-GB" sz="1800" dirty="0"/>
               <a:t> </a:t>
             </a:r>
             <a:r>
-              <a:rPr lang="en-GB" sz="2000" dirty="0" smtClean="0"/>
+              <a:rPr lang="en-GB" sz="2000" dirty="0"/>
               <a:t>architecture</a:t>
             </a:r>
           </a:p>
           <a:p>
             <a:r>
-              <a:rPr lang="en-GB" sz="2000" dirty="0" smtClean="0"/>
+              <a:rPr lang="en-GB" sz="2000" dirty="0"/>
               <a:t>Uses Dart</a:t>
             </a:r>
           </a:p>
           <a:p>
             <a:r>
-              <a:rPr lang="en-GB" sz="2000" dirty="0" smtClean="0"/>
+              <a:rPr lang="en-GB" sz="2000" dirty="0"/>
               <a:t>OSS</a:t>
             </a:r>
           </a:p>
           <a:p>
             <a:r>
-              <a:rPr lang="en-GB" sz="2000" dirty="0" smtClean="0"/>
+              <a:rPr lang="en-GB" sz="2000" dirty="0"/>
               <a:t>Easy to get start with</a:t>
             </a:r>
-            <a:endParaRPr lang="en-GB" sz="2000" dirty="0"/>
           </a:p>
         </p:txBody>
       </p:sp>
@@ -17635,7 +17579,7 @@
               <a:buNone/>
             </a:pPr>
             <a:r>
-              <a:rPr lang="en" dirty="0" smtClean="0">
+              <a:rPr lang="en" dirty="0">
                 <a:solidFill>
                   <a:srgbClr val="FFFFFF"/>
                 </a:solidFill>
@@ -18291,7 +18235,7 @@
               <a:buNone/>
             </a:pPr>
             <a:r>
-              <a:rPr lang="en" dirty="0" smtClean="0">
+              <a:rPr lang="en" dirty="0">
                 <a:solidFill>
                   <a:srgbClr val="FFFFFF"/>
                 </a:solidFill>
@@ -18363,7 +18307,7 @@
           <a:lstStyle/>
           <a:p>
             <a:r>
-              <a:rPr lang="en-GB" sz="1050" dirty="0" smtClean="0">
+              <a:rPr lang="en-GB" sz="1050" dirty="0">
                 <a:solidFill>
                   <a:schemeClr val="bg1">
                     <a:lumMod val="95000"/>
@@ -18372,13 +18316,6 @@
               </a:rPr>
               <a:t>Mapping/ marshalling</a:t>
             </a:r>
-            <a:endParaRPr lang="en-GB" sz="1050" dirty="0">
-              <a:solidFill>
-                <a:schemeClr val="bg1">
-                  <a:lumMod val="95000"/>
-                </a:schemeClr>
-              </a:solidFill>
-            </a:endParaRPr>
           </a:p>
         </p:txBody>
       </p:sp>
@@ -18566,7 +18503,7 @@
               <a:buNone/>
             </a:pPr>
             <a:r>
-              <a:rPr lang="en" dirty="0" smtClean="0">
+              <a:rPr lang="en" dirty="0">
                 <a:solidFill>
                   <a:srgbClr val="FFFFFF"/>
                 </a:solidFill>
@@ -19126,7 +19063,7 @@
               <a:buNone/>
             </a:pPr>
             <a:r>
-              <a:rPr lang="en" dirty="0" smtClean="0">
+              <a:rPr lang="en" dirty="0">
                 <a:solidFill>
                   <a:srgbClr val="FFFFFF"/>
                 </a:solidFill>
@@ -19184,7 +19121,7 @@
               <a:buNone/>
             </a:pPr>
             <a:r>
-              <a:rPr lang="en" dirty="0" smtClean="0">
+              <a:rPr lang="en" dirty="0">
                 <a:solidFill>
                   <a:srgbClr val="FFFFFF"/>
                 </a:solidFill>
@@ -19250,7 +19187,7 @@
               <a:buNone/>
             </a:pPr>
             <a:r>
-              <a:rPr lang="en" sz="1200" dirty="0" smtClean="0">
+              <a:rPr lang="en" sz="1200" dirty="0">
                 <a:solidFill>
                   <a:srgbClr val="FFFFFF"/>
                 </a:solidFill>
@@ -19336,7 +19273,7 @@
               <a:buNone/>
             </a:pPr>
             <a:r>
-              <a:rPr lang="en" dirty="0" smtClean="0">
+              <a:rPr lang="en" dirty="0">
                 <a:solidFill>
                   <a:srgbClr val="FFFFFF"/>
                 </a:solidFill>
@@ -19394,7 +19331,7 @@
               <a:buNone/>
             </a:pPr>
             <a:r>
-              <a:rPr lang="en" sz="1200" dirty="0" smtClean="0">
+              <a:rPr lang="en" sz="1200" dirty="0">
                 <a:solidFill>
                   <a:srgbClr val="FFFFFF"/>
                 </a:solidFill>
@@ -19452,7 +19389,7 @@
               <a:buNone/>
             </a:pPr>
             <a:r>
-              <a:rPr lang="en" dirty="0" smtClean="0">
+              <a:rPr lang="en" dirty="0">
                 <a:solidFill>
                   <a:srgbClr val="FFFFFF"/>
                 </a:solidFill>
@@ -19998,11 +19935,7 @@
             </a:pPr>
             <a:r>
               <a:rPr lang="en" dirty="0"/>
-              <a:t>(Dart</a:t>
-            </a:r>
-            <a:r>
-              <a:rPr lang="en" dirty="0" smtClean="0"/>
-              <a:t>)</a:t>
+              <a:t>(Dart)</a:t>
             </a:r>
           </a:p>
           <a:p>
@@ -20015,7 +19948,7 @@
               </a:spcAft>
               <a:buNone/>
             </a:pPr>
-            <a:endParaRPr lang="en" dirty="0" smtClean="0"/>
+            <a:endParaRPr lang="en" dirty="0"/>
           </a:p>
           <a:p>
             <a:pPr marL="0" lvl="0" indent="0" algn="ctr" rtl="0">
@@ -20028,15 +19961,15 @@
               <a:buNone/>
             </a:pPr>
             <a:r>
-              <a:rPr lang="de-DE" dirty="0" err="1" smtClean="0"/>
+              <a:rPr lang="de-DE" dirty="0" err="1"/>
               <a:t>Complied</a:t>
             </a:r>
             <a:r>
-              <a:rPr lang="de-DE" dirty="0" smtClean="0"/>
+              <a:rPr lang="de-DE" dirty="0"/>
               <a:t> to ARM </a:t>
             </a:r>
             <a:r>
-              <a:rPr lang="de-DE" dirty="0" err="1" smtClean="0"/>
+              <a:rPr lang="de-DE" dirty="0" err="1"/>
               <a:t>code</a:t>
             </a:r>
             <a:endParaRPr dirty="0"/>
@@ -20224,7 +20157,7 @@
               <a:buNone/>
             </a:pPr>
             <a:r>
-              <a:rPr lang="en" dirty="0" smtClean="0">
+              <a:rPr lang="en" dirty="0">
                 <a:solidFill>
                   <a:srgbClr val="FFFFFF"/>
                 </a:solidFill>
@@ -20658,7 +20591,7 @@
               <a:buNone/>
             </a:pPr>
             <a:r>
-              <a:rPr lang="en" dirty="0" smtClean="0">
+              <a:rPr lang="en" dirty="0">
                 <a:solidFill>
                   <a:srgbClr val="FFFFFF"/>
                 </a:solidFill>
@@ -20778,27 +20711,27 @@
           <a:lstStyle/>
           <a:p>
             <a:r>
-              <a:rPr lang="de-DE" dirty="0" smtClean="0"/>
+              <a:rPr lang="de-DE" dirty="0"/>
               <a:t>Advantages of </a:t>
             </a:r>
             <a:r>
-              <a:rPr lang="de-DE" dirty="0" err="1" smtClean="0"/>
+              <a:rPr lang="de-DE" dirty="0" err="1"/>
               <a:t>rendering</a:t>
             </a:r>
             <a:r>
-              <a:rPr lang="de-DE" dirty="0" smtClean="0"/>
+              <a:rPr lang="de-DE" dirty="0"/>
               <a:t> all </a:t>
             </a:r>
             <a:r>
-              <a:rPr lang="de-DE" dirty="0" err="1" smtClean="0"/>
+              <a:rPr lang="de-DE" dirty="0" err="1"/>
               <a:t>by</a:t>
             </a:r>
             <a:r>
-              <a:rPr lang="de-DE" dirty="0" smtClean="0"/>
+              <a:rPr lang="de-DE" dirty="0"/>
               <a:t> </a:t>
             </a:r>
             <a:r>
-              <a:rPr lang="de-DE" dirty="0" err="1" smtClean="0"/>
+              <a:rPr lang="de-DE" dirty="0" err="1"/>
               <a:t>itself</a:t>
             </a:r>
             <a:endParaRPr lang="de-DE" dirty="0"/>
@@ -20821,41 +20754,33 @@
           <a:lstStyle/>
           <a:p>
             <a:r>
-              <a:rPr lang="en-GB" sz="1800" dirty="0" smtClean="0"/>
+              <a:rPr lang="en-GB" sz="1800" dirty="0"/>
               <a:t>Extremely fast 60fps for animations</a:t>
             </a:r>
           </a:p>
           <a:p>
             <a:r>
-              <a:rPr lang="en-GB" sz="1800" dirty="0" smtClean="0"/>
-              <a:t>Does runs on every OS </a:t>
-            </a:r>
-            <a:r>
-              <a:rPr lang="en-GB" sz="1800" dirty="0" smtClean="0"/>
-              <a:t>version </a:t>
-            </a:r>
-            <a:r>
-              <a:rPr lang="en-GB" sz="1800" dirty="0" smtClean="0"/>
-              <a:t>especially important for Android</a:t>
-            </a:r>
-          </a:p>
-          <a:p>
-            <a:r>
-              <a:rPr lang="en-GB" sz="1800" dirty="0" smtClean="0"/>
+              <a:rPr lang="en-GB" sz="1800" dirty="0"/>
+              <a:t>Does runs on every OS version especially important for Android</a:t>
+            </a:r>
+          </a:p>
+          <a:p>
+            <a:r>
+              <a:rPr lang="en-GB" sz="1800" dirty="0"/>
               <a:t>Small App size due to Darts tree shaking linker</a:t>
             </a:r>
           </a:p>
           <a:p>
             <a:r>
-              <a:rPr lang="en-GB" sz="1800" dirty="0" smtClean="0"/>
+              <a:rPr lang="en-GB" sz="1800" dirty="0"/>
               <a:t>Fast App </a:t>
             </a:r>
             <a:r>
-              <a:rPr lang="en-GB" sz="1800" dirty="0" err="1" smtClean="0"/>
+              <a:rPr lang="en-GB" sz="1800" dirty="0" err="1"/>
               <a:t>startup</a:t>
             </a:r>
             <a:r>
-              <a:rPr lang="en-GB" sz="1800" dirty="0" smtClean="0"/>
+              <a:rPr lang="en-GB" sz="1800" dirty="0"/>
               <a:t> because no scanning for custom renderers</a:t>
             </a:r>
           </a:p>
@@ -20976,11 +20901,7 @@
             </a:pPr>
             <a:r>
               <a:rPr lang="en" sz="1600" dirty="0"/>
-              <a:t>Reactive UI framework inspired by </a:t>
-            </a:r>
-            <a:r>
-              <a:rPr lang="en" sz="1600" dirty="0" smtClean="0"/>
-              <a:t>React</a:t>
+              <a:t>Reactive UI framework inspired by React</a:t>
             </a:r>
           </a:p>
           <a:p>
@@ -20998,7 +20919,7 @@
               <a:buChar char="●"/>
             </a:pPr>
             <a:r>
-              <a:rPr lang="en" sz="1600" dirty="0" smtClean="0"/>
+              <a:rPr lang="en" sz="1600" dirty="0"/>
               <a:t>UI Test framework</a:t>
             </a:r>
             <a:endParaRPr sz="1600" dirty="0"/>
@@ -21039,11 +20960,7 @@
             </a:pPr>
             <a:r>
               <a:rPr lang="en" sz="1600" dirty="0"/>
-              <a:t>IDE support </a:t>
-            </a:r>
-            <a:r>
-              <a:rPr lang="en" sz="1600" dirty="0" smtClean="0"/>
-              <a:t>(VS Code, Android Studio, IntelliJ)</a:t>
+              <a:t>IDE support (VS Code, Android Studio, IntelliJ)</a:t>
             </a:r>
             <a:endParaRPr sz="1600" dirty="0"/>
           </a:p>
@@ -21135,12 +21052,8 @@
               <a:buChar char="●"/>
             </a:pPr>
             <a:r>
-              <a:rPr lang="en" sz="1600" dirty="0" smtClean="0"/>
-              <a:t>The </a:t>
-            </a:r>
-            <a:r>
               <a:rPr lang="en" sz="1600" dirty="0"/>
-              <a:t>whole Dart ecosystem!</a:t>
+              <a:t>The whole Dart ecosystem!</a:t>
             </a:r>
             <a:endParaRPr sz="1600" dirty="0"/>
           </a:p>
